--- a/SW.pptx
+++ b/SW.pptx
@@ -6129,13 +6129,7 @@
               <a:rPr lang="ko-KR" altLang="en-US" sz="1400" smtClean="0">
                 <a:latin typeface="+mn-ea"/>
               </a:rPr>
-              <a:t>이 </a:t>
-            </a:r>
-            <a:r>
-              <a:rPr lang="ko-KR" altLang="en-US" sz="1400" smtClean="0">
-                <a:latin typeface="+mn-ea"/>
-              </a:rPr>
-              <a:t>존재</a:t>
+              <a:t>이 존재</a:t>
             </a:r>
             <a:endParaRPr lang="en-US" altLang="ko-KR" sz="1400" dirty="0" smtClean="0">
               <a:latin typeface="+mn-ea"/>
@@ -12587,7 +12581,7 @@
         </p:nvGrpSpPr>
         <p:grpSpPr>
           <a:xfrm>
-            <a:off x="4095576" y="1828016"/>
+            <a:off x="4093648" y="1912857"/>
             <a:ext cx="3653594" cy="1591025"/>
             <a:chOff x="2376504" y="3384629"/>
             <a:chExt cx="3653594" cy="1591025"/>

--- a/SW.pptx
+++ b/SW.pptx
@@ -6,13 +6,14 @@
   </p:sldMasterIdLst>
   <p:sldIdLst>
     <p:sldId id="300" r:id="rId2"/>
-    <p:sldId id="306" r:id="rId3"/>
-    <p:sldId id="311" r:id="rId4"/>
-    <p:sldId id="310" r:id="rId5"/>
-    <p:sldId id="307" r:id="rId6"/>
-    <p:sldId id="309" r:id="rId7"/>
-    <p:sldId id="312" r:id="rId8"/>
-    <p:sldId id="308" r:id="rId9"/>
+    <p:sldId id="313" r:id="rId3"/>
+    <p:sldId id="306" r:id="rId4"/>
+    <p:sldId id="311" r:id="rId5"/>
+    <p:sldId id="310" r:id="rId6"/>
+    <p:sldId id="307" r:id="rId7"/>
+    <p:sldId id="309" r:id="rId8"/>
+    <p:sldId id="312" r:id="rId9"/>
+    <p:sldId id="308" r:id="rId10"/>
   </p:sldIdLst>
   <p:sldSz cx="9144000" cy="6858000" type="screen4x3"/>
   <p:notesSz cx="6858000" cy="9144000"/>
@@ -4957,6 +4958,82 @@
       </p:grpSpPr>
       <p:sp>
         <p:nvSpPr>
+          <p:cNvPr id="2" name="제목 1"/>
+          <p:cNvSpPr>
+            <a:spLocks noGrp="1"/>
+          </p:cNvSpPr>
+          <p:nvPr>
+            <p:ph type="ctrTitle"/>
+          </p:nvPr>
+        </p:nvSpPr>
+        <p:spPr/>
+        <p:txBody>
+          <a:bodyPr/>
+          <a:lstStyle/>
+          <a:p>
+            <a:r>
+              <a:rPr lang="ko-KR" altLang="en-US" dirty="0" smtClean="0"/>
+              <a:t>문서 테스트</a:t>
+            </a:r>
+            <a:r>
+              <a:rPr lang="en-US" altLang="ko-KR" smtClean="0"/>
+              <a:t>~</a:t>
+            </a:r>
+            <a:endParaRPr lang="ko-KR" altLang="en-US"/>
+          </a:p>
+        </p:txBody>
+      </p:sp>
+      <p:sp>
+        <p:nvSpPr>
+          <p:cNvPr id="3" name="부제목 2"/>
+          <p:cNvSpPr>
+            <a:spLocks noGrp="1"/>
+          </p:cNvSpPr>
+          <p:nvPr>
+            <p:ph type="subTitle" idx="1"/>
+          </p:nvPr>
+        </p:nvSpPr>
+        <p:spPr/>
+        <p:txBody>
+          <a:bodyPr/>
+          <a:lstStyle/>
+          <a:p>
+            <a:endParaRPr lang="ko-KR" altLang="en-US"/>
+          </a:p>
+        </p:txBody>
+      </p:sp>
+    </p:spTree>
+    <p:extLst>
+      <p:ext uri="{BB962C8B-B14F-4D97-AF65-F5344CB8AC3E}">
+        <p14:creationId xmlns:p14="http://schemas.microsoft.com/office/powerpoint/2010/main" val="461856605"/>
+      </p:ext>
+    </p:extLst>
+  </p:cSld>
+  <p:clrMapOvr>
+    <a:masterClrMapping/>
+  </p:clrMapOvr>
+</p:sld>
+</file>
+
+<file path=ppt/slides/slide3.xml><?xml version="1.0" encoding="utf-8"?>
+<p:sld xmlns:a="http://schemas.openxmlformats.org/drawingml/2006/main" xmlns:r="http://schemas.openxmlformats.org/officeDocument/2006/relationships" xmlns:p="http://schemas.openxmlformats.org/presentationml/2006/main">
+  <p:cSld>
+    <p:spTree>
+      <p:nvGrpSpPr>
+        <p:cNvPr id="1" name=""/>
+        <p:cNvGrpSpPr/>
+        <p:nvPr/>
+      </p:nvGrpSpPr>
+      <p:grpSpPr>
+        <a:xfrm>
+          <a:off x="0" y="0"/>
+          <a:ext cx="0" cy="0"/>
+          <a:chOff x="0" y="0"/>
+          <a:chExt cx="0" cy="0"/>
+        </a:xfrm>
+      </p:grpSpPr>
+      <p:sp>
+        <p:nvSpPr>
           <p:cNvPr id="43" name="직사각형 42"/>
           <p:cNvSpPr/>
           <p:nvPr/>
@@ -6168,7 +6245,7 @@
 </p:sld>
 </file>
 
-<file path=ppt/slides/slide3.xml><?xml version="1.0" encoding="utf-8"?>
+<file path=ppt/slides/slide4.xml><?xml version="1.0" encoding="utf-8"?>
 <p:sld xmlns:a="http://schemas.openxmlformats.org/drawingml/2006/main" xmlns:r="http://schemas.openxmlformats.org/officeDocument/2006/relationships" xmlns:p="http://schemas.openxmlformats.org/presentationml/2006/main">
   <p:cSld>
     <p:spTree>
@@ -8023,7 +8100,7 @@
 </p:sld>
 </file>
 
-<file path=ppt/slides/slide4.xml><?xml version="1.0" encoding="utf-8"?>
+<file path=ppt/slides/slide5.xml><?xml version="1.0" encoding="utf-8"?>
 <p:sld xmlns:a="http://schemas.openxmlformats.org/drawingml/2006/main" xmlns:r="http://schemas.openxmlformats.org/officeDocument/2006/relationships" xmlns:p="http://schemas.openxmlformats.org/presentationml/2006/main">
   <p:cSld>
     <p:spTree>
@@ -9798,7 +9875,7 @@
 </p:sld>
 </file>
 
-<file path=ppt/slides/slide5.xml><?xml version="1.0" encoding="utf-8"?>
+<file path=ppt/slides/slide6.xml><?xml version="1.0" encoding="utf-8"?>
 <p:sld xmlns:a="http://schemas.openxmlformats.org/drawingml/2006/main" xmlns:r="http://schemas.openxmlformats.org/officeDocument/2006/relationships" xmlns:p="http://schemas.openxmlformats.org/presentationml/2006/main">
   <p:cSld>
     <p:spTree>
@@ -11211,7 +11288,7 @@
 </p:sld>
 </file>
 
-<file path=ppt/slides/slide6.xml><?xml version="1.0" encoding="utf-8"?>
+<file path=ppt/slides/slide7.xml><?xml version="1.0" encoding="utf-8"?>
 <p:sld xmlns:a="http://schemas.openxmlformats.org/drawingml/2006/main" xmlns:r="http://schemas.openxmlformats.org/officeDocument/2006/relationships" xmlns:p="http://schemas.openxmlformats.org/presentationml/2006/main">
   <p:cSld>
     <p:spTree>
@@ -11985,7 +12062,7 @@
 </p:sld>
 </file>
 
-<file path=ppt/slides/slide7.xml><?xml version="1.0" encoding="utf-8"?>
+<file path=ppt/slides/slide8.xml><?xml version="1.0" encoding="utf-8"?>
 <p:sld xmlns:a="http://schemas.openxmlformats.org/drawingml/2006/main" xmlns:r="http://schemas.openxmlformats.org/officeDocument/2006/relationships" xmlns:p="http://schemas.openxmlformats.org/presentationml/2006/main">
   <p:cSld>
     <p:spTree>
@@ -12876,7 +12953,7 @@
 </p:sld>
 </file>
 
-<file path=ppt/slides/slide8.xml><?xml version="1.0" encoding="utf-8"?>
+<file path=ppt/slides/slide9.xml><?xml version="1.0" encoding="utf-8"?>
 <p:sld xmlns:a="http://schemas.openxmlformats.org/drawingml/2006/main" xmlns:r="http://schemas.openxmlformats.org/officeDocument/2006/relationships" xmlns:p="http://schemas.openxmlformats.org/presentationml/2006/main">
   <p:cSld>
     <p:spTree>
